--- a/МАНУ2020.pptx
+++ b/МАНУ2020.pptx
@@ -20,10 +20,9 @@
     <p:sldId id="272" r:id="rId14"/>
     <p:sldId id="273" r:id="rId15"/>
     <p:sldId id="274" r:id="rId16"/>
-    <p:sldId id="275" r:id="rId17"/>
-    <p:sldId id="268" r:id="rId18"/>
-    <p:sldId id="269" r:id="rId19"/>
-    <p:sldId id="258" r:id="rId20"/>
+    <p:sldId id="268" r:id="rId17"/>
+    <p:sldId id="269" r:id="rId18"/>
+    <p:sldId id="258" r:id="rId19"/>
   </p:sldIdLst>
   <p:sldSz cx="12192000" cy="6858000"/>
   <p:notesSz cx="6858000" cy="9144000"/>
@@ -122,6 +121,11 @@
       </a:defRPr>
     </a:lvl9pPr>
   </p:defaultTextStyle>
+  <p:extLst>
+    <p:ext uri="{EFAFB233-063F-42B5-8137-9DF3F51BA10A}">
+      <p15:sldGuideLst xmlns:p15="http://schemas.microsoft.com/office/powerpoint/2012/main"/>
+    </p:ext>
+  </p:extLst>
 </p:presentation>
 </file>
 
@@ -274,7 +278,7 @@
           <a:p>
             <a:fld id="{F3B1270B-825F-4A6F-BFBD-8E5D97593686}" type="datetimeFigureOut">
               <a:rPr lang="uk-UA" smtClean="0"/>
-              <a:t>20.02.2020</a:t>
+              <a:t>22.02.2020</a:t>
             </a:fld>
             <a:endParaRPr lang="uk-UA"/>
           </a:p>
@@ -474,7 +478,7 @@
           <a:p>
             <a:fld id="{F3B1270B-825F-4A6F-BFBD-8E5D97593686}" type="datetimeFigureOut">
               <a:rPr lang="uk-UA" smtClean="0"/>
-              <a:t>20.02.2020</a:t>
+              <a:t>22.02.2020</a:t>
             </a:fld>
             <a:endParaRPr lang="uk-UA"/>
           </a:p>
@@ -684,7 +688,7 @@
           <a:p>
             <a:fld id="{F3B1270B-825F-4A6F-BFBD-8E5D97593686}" type="datetimeFigureOut">
               <a:rPr lang="uk-UA" smtClean="0"/>
-              <a:t>20.02.2020</a:t>
+              <a:t>22.02.2020</a:t>
             </a:fld>
             <a:endParaRPr lang="uk-UA"/>
           </a:p>
@@ -884,7 +888,7 @@
           <a:p>
             <a:fld id="{F3B1270B-825F-4A6F-BFBD-8E5D97593686}" type="datetimeFigureOut">
               <a:rPr lang="uk-UA" smtClean="0"/>
-              <a:t>20.02.2020</a:t>
+              <a:t>22.02.2020</a:t>
             </a:fld>
             <a:endParaRPr lang="uk-UA"/>
           </a:p>
@@ -1160,7 +1164,7 @@
           <a:p>
             <a:fld id="{F3B1270B-825F-4A6F-BFBD-8E5D97593686}" type="datetimeFigureOut">
               <a:rPr lang="uk-UA" smtClean="0"/>
-              <a:t>20.02.2020</a:t>
+              <a:t>22.02.2020</a:t>
             </a:fld>
             <a:endParaRPr lang="uk-UA"/>
           </a:p>
@@ -1428,7 +1432,7 @@
           <a:p>
             <a:fld id="{F3B1270B-825F-4A6F-BFBD-8E5D97593686}" type="datetimeFigureOut">
               <a:rPr lang="uk-UA" smtClean="0"/>
-              <a:t>20.02.2020</a:t>
+              <a:t>22.02.2020</a:t>
             </a:fld>
             <a:endParaRPr lang="uk-UA"/>
           </a:p>
@@ -1843,7 +1847,7 @@
           <a:p>
             <a:fld id="{F3B1270B-825F-4A6F-BFBD-8E5D97593686}" type="datetimeFigureOut">
               <a:rPr lang="uk-UA" smtClean="0"/>
-              <a:t>20.02.2020</a:t>
+              <a:t>22.02.2020</a:t>
             </a:fld>
             <a:endParaRPr lang="uk-UA"/>
           </a:p>
@@ -1985,7 +1989,7 @@
           <a:p>
             <a:fld id="{F3B1270B-825F-4A6F-BFBD-8E5D97593686}" type="datetimeFigureOut">
               <a:rPr lang="uk-UA" smtClean="0"/>
-              <a:t>20.02.2020</a:t>
+              <a:t>22.02.2020</a:t>
             </a:fld>
             <a:endParaRPr lang="uk-UA"/>
           </a:p>
@@ -2098,7 +2102,7 @@
           <a:p>
             <a:fld id="{F3B1270B-825F-4A6F-BFBD-8E5D97593686}" type="datetimeFigureOut">
               <a:rPr lang="uk-UA" smtClean="0"/>
-              <a:t>20.02.2020</a:t>
+              <a:t>22.02.2020</a:t>
             </a:fld>
             <a:endParaRPr lang="uk-UA"/>
           </a:p>
@@ -2411,7 +2415,7 @@
           <a:p>
             <a:fld id="{F3B1270B-825F-4A6F-BFBD-8E5D97593686}" type="datetimeFigureOut">
               <a:rPr lang="uk-UA" smtClean="0"/>
-              <a:t>20.02.2020</a:t>
+              <a:t>22.02.2020</a:t>
             </a:fld>
             <a:endParaRPr lang="uk-UA"/>
           </a:p>
@@ -2700,7 +2704,7 @@
           <a:p>
             <a:fld id="{F3B1270B-825F-4A6F-BFBD-8E5D97593686}" type="datetimeFigureOut">
               <a:rPr lang="uk-UA" smtClean="0"/>
-              <a:t>20.02.2020</a:t>
+              <a:t>22.02.2020</a:t>
             </a:fld>
             <a:endParaRPr lang="uk-UA"/>
           </a:p>
@@ -2943,7 +2947,7 @@
           <a:p>
             <a:fld id="{F3B1270B-825F-4A6F-BFBD-8E5D97593686}" type="datetimeFigureOut">
               <a:rPr lang="uk-UA" smtClean="0"/>
-              <a:t>20.02.2020</a:t>
+              <a:t>22.02.2020</a:t>
             </a:fld>
             <a:endParaRPr lang="uk-UA"/>
           </a:p>
@@ -3465,13 +3469,13 @@
   <p:clrMapOvr>
     <a:masterClrMapping/>
   </p:clrMapOvr>
-  <mc:AlternateContent xmlns:mc="http://schemas.openxmlformats.org/markup-compatibility/2006">
-    <mc:Choice xmlns:p14="http://schemas.microsoft.com/office/powerpoint/2010/main" Requires="p14">
+  <mc:AlternateContent xmlns:mc="http://schemas.openxmlformats.org/markup-compatibility/2006" xmlns:p14="http://schemas.microsoft.com/office/powerpoint/2010/main">
+    <mc:Choice Requires="p14">
       <p:transition spd="slow" p14:dur="1500">
         <p:split orient="vert"/>
       </p:transition>
     </mc:Choice>
-    <mc:Fallback>
+    <mc:Fallback xmlns="">
       <p:transition spd="slow">
         <p:split orient="vert"/>
       </p:transition>
@@ -4007,6 +4011,15 @@
 <file path=ppt/slides/slide16.xml><?xml version="1.0" encoding="utf-8"?>
 <p:sld xmlns:a="http://schemas.openxmlformats.org/drawingml/2006/main" xmlns:r="http://schemas.openxmlformats.org/officeDocument/2006/relationships" xmlns:p="http://schemas.openxmlformats.org/presentationml/2006/main">
   <p:cSld>
+    <p:bg>
+      <p:bgPr>
+        <a:blipFill>
+          <a:blip r:embed="rId2"/>
+          <a:tile tx="0" ty="0" sx="100000" sy="100000" flip="none" algn="tl"/>
+        </a:blipFill>
+        <a:effectLst/>
+      </p:bgPr>
+    </p:bg>
     <p:spTree>
       <p:nvGrpSpPr>
         <p:cNvPr id="1" name=""/>
@@ -4021,46 +4034,62 @@
           <a:chExt cx="0" cy="0"/>
         </a:xfrm>
       </p:grpSpPr>
-      <p:pic>
-        <p:nvPicPr>
-          <p:cNvPr id="4" name="Рисунок 3">
-            <a:extLst>
-              <a:ext uri="{FF2B5EF4-FFF2-40B4-BE49-F238E27FC236}">
-                <a16:creationId xmlns:a16="http://schemas.microsoft.com/office/drawing/2014/main" id="{6911C190-18B3-42FC-A22E-D085314DB235}"/>
-              </a:ext>
-            </a:extLst>
-          </p:cNvPr>
-          <p:cNvPicPr/>
-          <p:nvPr/>
-        </p:nvPicPr>
-        <p:blipFill>
-          <a:blip r:embed="rId2"/>
-          <a:stretch>
-            <a:fillRect/>
-          </a:stretch>
-        </p:blipFill>
+      <p:sp>
+        <p:nvSpPr>
+          <p:cNvPr id="2" name="Заголовок 1">
+            <a:extLst>
+              <a:ext uri="{FF2B5EF4-FFF2-40B4-BE49-F238E27FC236}">
+                <a16:creationId xmlns:a16="http://schemas.microsoft.com/office/drawing/2014/main" id="{85E5F9C9-9A4C-4C11-8946-0156FFEFD54C}"/>
+              </a:ext>
+            </a:extLst>
+          </p:cNvPr>
+          <p:cNvSpPr>
+            <a:spLocks noGrp="1"/>
+          </p:cNvSpPr>
+          <p:nvPr>
+            <p:ph type="title"/>
+          </p:nvPr>
+        </p:nvSpPr>
         <p:spPr>
           <a:xfrm>
-            <a:off x="0" y="0"/>
-            <a:ext cx="12192000" cy="6858000"/>
+            <a:off x="838200" y="365125"/>
+            <a:ext cx="10515600" cy="6109417"/>
           </a:xfrm>
-          <a:prstGeom prst="rect">
-            <a:avLst/>
-          </a:prstGeom>
         </p:spPr>
-      </p:pic>
+        <p:txBody>
+          <a:bodyPr>
+            <a:noAutofit/>
+          </a:bodyPr>
+          <a:lstStyle/>
+          <a:p>
+            <a:pPr indent="450850"/>
+            <a:r>
+              <a:rPr lang="uk-UA" dirty="0"/>
+              <a:t>Була ретельно досліджена та програмно реалізована модель зоряних систем. Створено інтерфейс для взаємодії з симуляцією, з можливістю завантаження, генерації. Зовсім скоро буде реалізовано редагування власної зоряної системи, можливість керування власним космічним телескопом та гри у режимі </a:t>
+            </a:r>
+            <a:r>
+              <a:rPr lang="uk-UA" dirty="0" err="1"/>
+              <a:t>мультиплеєру</a:t>
+            </a:r>
+            <a:r>
+              <a:rPr lang="uk-UA" dirty="0"/>
+              <a:t>.</a:t>
+            </a:r>
+          </a:p>
+        </p:txBody>
+      </p:sp>
     </p:spTree>
     <p:extLst>
       <p:ext uri="{BB962C8B-B14F-4D97-AF65-F5344CB8AC3E}">
-        <p14:creationId xmlns:p14="http://schemas.microsoft.com/office/powerpoint/2010/main" val="1408504938"/>
+        <p14:creationId xmlns:p14="http://schemas.microsoft.com/office/powerpoint/2010/main" val="343106355"/>
       </p:ext>
     </p:extLst>
   </p:cSld>
   <p:clrMapOvr>
     <a:masterClrMapping/>
   </p:clrMapOvr>
-  <p:transition spd="slow">
-    <p:push dir="u"/>
+  <p:transition spd="med">
+    <p:pull/>
   </p:transition>
 </p:sld>
 </file>
@@ -4122,92 +4151,6 @@
             <a:pPr indent="450850"/>
             <a:r>
               <a:rPr lang="uk-UA" dirty="0"/>
-              <a:t>Була ретельно досліджена та програмно реалізована модель зоряних систем. Створено інтерфейс для взаємодії з симуляцією, з можливістю завантаження, генерації й редагування власної зоряної системи. Реалізовано можливість керування власним космічним телескопом у режимі </a:t>
-            </a:r>
-            <a:r>
-              <a:rPr lang="uk-UA" dirty="0" err="1"/>
-              <a:t>мультиплеєру</a:t>
-            </a:r>
-            <a:r>
-              <a:rPr lang="uk-UA" dirty="0"/>
-              <a:t>.</a:t>
-            </a:r>
-          </a:p>
-        </p:txBody>
-      </p:sp>
-    </p:spTree>
-    <p:extLst>
-      <p:ext uri="{BB962C8B-B14F-4D97-AF65-F5344CB8AC3E}">
-        <p14:creationId xmlns:p14="http://schemas.microsoft.com/office/powerpoint/2010/main" val="343106355"/>
-      </p:ext>
-    </p:extLst>
-  </p:cSld>
-  <p:clrMapOvr>
-    <a:masterClrMapping/>
-  </p:clrMapOvr>
-  <p:transition spd="med">
-    <p:pull/>
-  </p:transition>
-</p:sld>
-</file>
-
-<file path=ppt/slides/slide18.xml><?xml version="1.0" encoding="utf-8"?>
-<p:sld xmlns:a="http://schemas.openxmlformats.org/drawingml/2006/main" xmlns:r="http://schemas.openxmlformats.org/officeDocument/2006/relationships" xmlns:p="http://schemas.openxmlformats.org/presentationml/2006/main">
-  <p:cSld>
-    <p:bg>
-      <p:bgPr>
-        <a:blipFill>
-          <a:blip r:embed="rId2"/>
-          <a:tile tx="0" ty="0" sx="100000" sy="100000" flip="none" algn="tl"/>
-        </a:blipFill>
-        <a:effectLst/>
-      </p:bgPr>
-    </p:bg>
-    <p:spTree>
-      <p:nvGrpSpPr>
-        <p:cNvPr id="1" name=""/>
-        <p:cNvGrpSpPr/>
-        <p:nvPr/>
-      </p:nvGrpSpPr>
-      <p:grpSpPr>
-        <a:xfrm>
-          <a:off x="0" y="0"/>
-          <a:ext cx="0" cy="0"/>
-          <a:chOff x="0" y="0"/>
-          <a:chExt cx="0" cy="0"/>
-        </a:xfrm>
-      </p:grpSpPr>
-      <p:sp>
-        <p:nvSpPr>
-          <p:cNvPr id="2" name="Заголовок 1">
-            <a:extLst>
-              <a:ext uri="{FF2B5EF4-FFF2-40B4-BE49-F238E27FC236}">
-                <a16:creationId xmlns:a16="http://schemas.microsoft.com/office/drawing/2014/main" id="{85E5F9C9-9A4C-4C11-8946-0156FFEFD54C}"/>
-              </a:ext>
-            </a:extLst>
-          </p:cNvPr>
-          <p:cNvSpPr>
-            <a:spLocks noGrp="1"/>
-          </p:cNvSpPr>
-          <p:nvPr>
-            <p:ph type="title"/>
-          </p:nvPr>
-        </p:nvSpPr>
-        <p:spPr>
-          <a:xfrm>
-            <a:off x="838200" y="365125"/>
-            <a:ext cx="10515600" cy="6109417"/>
-          </a:xfrm>
-        </p:spPr>
-        <p:txBody>
-          <a:bodyPr>
-            <a:noAutofit/>
-          </a:bodyPr>
-          <a:lstStyle/>
-          <a:p>
-            <a:pPr indent="450850"/>
-            <a:r>
-              <a:rPr lang="uk-UA" dirty="0"/>
               <a:t>Використовуючи розроблену програму люди навчаються, експериментують, набувають знань у сфері астрономії й фізики. Крім того, ПЗ можна використовувати для науково точної симуляції зоряних систем.</a:t>
             </a:r>
           </a:p>
@@ -4229,7 +4172,7 @@
 </p:sld>
 </file>
 
-<file path=ppt/slides/slide19.xml><?xml version="1.0" encoding="utf-8"?>
+<file path=ppt/slides/slide18.xml><?xml version="1.0" encoding="utf-8"?>
 <p:sld xmlns:a="http://schemas.openxmlformats.org/drawingml/2006/main" xmlns:r="http://schemas.openxmlformats.org/officeDocument/2006/relationships" xmlns:p="http://schemas.openxmlformats.org/presentationml/2006/main">
   <p:cSld>
     <p:bg>
@@ -4365,13 +4308,13 @@
   <p:clrMapOvr>
     <a:masterClrMapping/>
   </p:clrMapOvr>
-  <mc:AlternateContent xmlns:mc="http://schemas.openxmlformats.org/markup-compatibility/2006">
-    <mc:Choice xmlns:p14="http://schemas.microsoft.com/office/powerpoint/2010/main" Requires="p14">
+  <mc:AlternateContent xmlns:mc="http://schemas.openxmlformats.org/markup-compatibility/2006" xmlns:p14="http://schemas.microsoft.com/office/powerpoint/2010/main">
+    <mc:Choice Requires="p14">
       <p:transition spd="slow">
         <p14:flash/>
       </p:transition>
     </mc:Choice>
-    <mc:Fallback>
+    <mc:Fallback xmlns="">
       <p:transition spd="slow">
         <p:fade/>
       </p:transition>
@@ -4557,6 +4500,14 @@
             </a:r>
             <a:r>
               <a:rPr lang="ru-RU" dirty="0" err="1"/>
+              <a:t>гри</a:t>
+            </a:r>
+            <a:r>
+              <a:rPr lang="ru-RU" dirty="0"/>
+              <a:t> та </a:t>
+            </a:r>
+            <a:r>
+              <a:rPr lang="ru-RU" dirty="0" err="1"/>
               <a:t>дослідження</a:t>
             </a:r>
             <a:r>
@@ -4581,7 +4532,7 @@
             </a:r>
             <a:r>
               <a:rPr lang="ru-RU" dirty="0" err="1"/>
-              <a:t>досліджень</a:t>
+              <a:t>симуляцій</a:t>
             </a:r>
             <a:r>
               <a:rPr lang="ru-RU" dirty="0"/>
@@ -4726,7 +4677,7 @@
             </a:br>
             <a:r>
               <a:rPr lang="uk-UA" b="1" dirty="0"/>
-              <a:t>Прикладна цінність</a:t>
+              <a:t>Практична цінність</a:t>
             </a:r>
             <a:r>
               <a:rPr lang="uk-UA" dirty="0"/>
@@ -4941,7 +4892,7 @@
             <a:pPr indent="442913"/>
             <a:r>
               <a:rPr lang="uk-UA" dirty="0"/>
-              <a:t>Для кінцевої реалізації архітектури ПЗ використана мова програмування </a:t>
+              <a:t>Для кінцевої реалізації архітектури ПЗ буде використана мова програмування </a:t>
             </a:r>
             <a:r>
               <a:rPr lang="en-US" dirty="0"/>
@@ -4957,7 +4908,7 @@
             </a:r>
             <a:r>
               <a:rPr lang="uk-UA" dirty="0"/>
-              <a:t>. Такий варіант використовує в рази менше </a:t>
+              <a:t>. Такий варіант використовуватиме в рази менше </a:t>
             </a:r>
             <a:r>
               <a:rPr lang="uk-UA" dirty="0" err="1"/>
@@ -4969,7 +4920,7 @@
             </a:r>
             <a:r>
               <a:rPr lang="uk-UA" dirty="0"/>
-              <a:t>яті, має в рази більшу швидкодію, а також графічні покращення.</a:t>
+              <a:t>яті, матиме в рази більшу швидкодію, а також графічні покращення.</a:t>
             </a:r>
           </a:p>
         </p:txBody>

--- a/МАНУ2020.pptx
+++ b/МАНУ2020.pptx
@@ -278,7 +278,7 @@
           <a:p>
             <a:fld id="{F3B1270B-825F-4A6F-BFBD-8E5D97593686}" type="datetimeFigureOut">
               <a:rPr lang="uk-UA" smtClean="0"/>
-              <a:t>22.02.2020</a:t>
+              <a:t>23.02.2020</a:t>
             </a:fld>
             <a:endParaRPr lang="uk-UA"/>
           </a:p>
@@ -478,7 +478,7 @@
           <a:p>
             <a:fld id="{F3B1270B-825F-4A6F-BFBD-8E5D97593686}" type="datetimeFigureOut">
               <a:rPr lang="uk-UA" smtClean="0"/>
-              <a:t>22.02.2020</a:t>
+              <a:t>23.02.2020</a:t>
             </a:fld>
             <a:endParaRPr lang="uk-UA"/>
           </a:p>
@@ -688,7 +688,7 @@
           <a:p>
             <a:fld id="{F3B1270B-825F-4A6F-BFBD-8E5D97593686}" type="datetimeFigureOut">
               <a:rPr lang="uk-UA" smtClean="0"/>
-              <a:t>22.02.2020</a:t>
+              <a:t>23.02.2020</a:t>
             </a:fld>
             <a:endParaRPr lang="uk-UA"/>
           </a:p>
@@ -888,7 +888,7 @@
           <a:p>
             <a:fld id="{F3B1270B-825F-4A6F-BFBD-8E5D97593686}" type="datetimeFigureOut">
               <a:rPr lang="uk-UA" smtClean="0"/>
-              <a:t>22.02.2020</a:t>
+              <a:t>23.02.2020</a:t>
             </a:fld>
             <a:endParaRPr lang="uk-UA"/>
           </a:p>
@@ -1164,7 +1164,7 @@
           <a:p>
             <a:fld id="{F3B1270B-825F-4A6F-BFBD-8E5D97593686}" type="datetimeFigureOut">
               <a:rPr lang="uk-UA" smtClean="0"/>
-              <a:t>22.02.2020</a:t>
+              <a:t>23.02.2020</a:t>
             </a:fld>
             <a:endParaRPr lang="uk-UA"/>
           </a:p>
@@ -1432,7 +1432,7 @@
           <a:p>
             <a:fld id="{F3B1270B-825F-4A6F-BFBD-8E5D97593686}" type="datetimeFigureOut">
               <a:rPr lang="uk-UA" smtClean="0"/>
-              <a:t>22.02.2020</a:t>
+              <a:t>23.02.2020</a:t>
             </a:fld>
             <a:endParaRPr lang="uk-UA"/>
           </a:p>
@@ -1847,7 +1847,7 @@
           <a:p>
             <a:fld id="{F3B1270B-825F-4A6F-BFBD-8E5D97593686}" type="datetimeFigureOut">
               <a:rPr lang="uk-UA" smtClean="0"/>
-              <a:t>22.02.2020</a:t>
+              <a:t>23.02.2020</a:t>
             </a:fld>
             <a:endParaRPr lang="uk-UA"/>
           </a:p>
@@ -1989,7 +1989,7 @@
           <a:p>
             <a:fld id="{F3B1270B-825F-4A6F-BFBD-8E5D97593686}" type="datetimeFigureOut">
               <a:rPr lang="uk-UA" smtClean="0"/>
-              <a:t>22.02.2020</a:t>
+              <a:t>23.02.2020</a:t>
             </a:fld>
             <a:endParaRPr lang="uk-UA"/>
           </a:p>
@@ -2102,7 +2102,7 @@
           <a:p>
             <a:fld id="{F3B1270B-825F-4A6F-BFBD-8E5D97593686}" type="datetimeFigureOut">
               <a:rPr lang="uk-UA" smtClean="0"/>
-              <a:t>22.02.2020</a:t>
+              <a:t>23.02.2020</a:t>
             </a:fld>
             <a:endParaRPr lang="uk-UA"/>
           </a:p>
@@ -2415,7 +2415,7 @@
           <a:p>
             <a:fld id="{F3B1270B-825F-4A6F-BFBD-8E5D97593686}" type="datetimeFigureOut">
               <a:rPr lang="uk-UA" smtClean="0"/>
-              <a:t>22.02.2020</a:t>
+              <a:t>23.02.2020</a:t>
             </a:fld>
             <a:endParaRPr lang="uk-UA"/>
           </a:p>
@@ -2704,7 +2704,7 @@
           <a:p>
             <a:fld id="{F3B1270B-825F-4A6F-BFBD-8E5D97593686}" type="datetimeFigureOut">
               <a:rPr lang="uk-UA" smtClean="0"/>
-              <a:t>22.02.2020</a:t>
+              <a:t>23.02.2020</a:t>
             </a:fld>
             <a:endParaRPr lang="uk-UA"/>
           </a:p>
@@ -2947,7 +2947,7 @@
           <a:p>
             <a:fld id="{F3B1270B-825F-4A6F-BFBD-8E5D97593686}" type="datetimeFigureOut">
               <a:rPr lang="uk-UA" smtClean="0"/>
-              <a:t>22.02.2020</a:t>
+              <a:t>23.02.2020</a:t>
             </a:fld>
             <a:endParaRPr lang="uk-UA"/>
           </a:p>
@@ -3404,8 +3404,8 @@
         </p:nvSpPr>
         <p:spPr>
           <a:xfrm>
-            <a:off x="1524000" y="1122362"/>
-            <a:ext cx="9144000" cy="3266757"/>
+            <a:off x="1524000" y="688022"/>
+            <a:ext cx="9144000" cy="5047616"/>
           </a:xfrm>
         </p:spPr>
         <p:txBody>
@@ -3420,6 +3420,18 @@
               </a:rPr>
               <a:t>ПРОЄКТУВАННЯ МУЛЬТИМЕДІЙНОГО ДОДАТКА</a:t>
             </a:r>
+            <a:r>
+              <a:rPr lang="en-US" sz="7200" b="1" dirty="0">
+                <a:latin typeface="+mn-lt"/>
+              </a:rPr>
+              <a:t> </a:t>
+            </a:r>
+            <a:r>
+              <a:rPr lang="uk-UA" sz="7200" b="1" dirty="0">
+                <a:latin typeface="+mn-lt"/>
+              </a:rPr>
+              <a:t>ДЛЯ СИМУЛЯЦІЇ ЗОРЯНИХ СИСТЕМ</a:t>
+            </a:r>
             <a:endParaRPr lang="uk-UA" sz="7200" dirty="0">
               <a:latin typeface="+mn-lt"/>
             </a:endParaRPr>
@@ -3444,8 +3456,8 @@
         </p:nvSpPr>
         <p:spPr>
           <a:xfrm>
-            <a:off x="1524000" y="4389118"/>
-            <a:ext cx="9144000" cy="868681"/>
+            <a:off x="1524000" y="5735638"/>
+            <a:ext cx="9144000" cy="434340"/>
           </a:xfrm>
         </p:spPr>
         <p:txBody>
@@ -3678,8 +3690,8 @@
         </p:nvSpPr>
         <p:spPr>
           <a:xfrm>
-            <a:off x="838200" y="365125"/>
-            <a:ext cx="10515600" cy="6109417"/>
+            <a:off x="162232" y="365125"/>
+            <a:ext cx="11887200" cy="6109417"/>
           </a:xfrm>
         </p:spPr>
         <p:txBody>
@@ -4052,8 +4064,8 @@
         </p:nvSpPr>
         <p:spPr>
           <a:xfrm>
-            <a:off x="838200" y="365125"/>
-            <a:ext cx="10515600" cy="6109417"/>
+            <a:off x="162232" y="365125"/>
+            <a:ext cx="11887200" cy="6109417"/>
           </a:xfrm>
         </p:spPr>
         <p:txBody>
@@ -4064,8 +4076,12 @@
           <a:p>
             <a:pPr indent="450850"/>
             <a:r>
+              <a:rPr lang="uk-UA" b="1" dirty="0"/>
+              <a:t>Висновки: </a:t>
+            </a:r>
+            <a:r>
               <a:rPr lang="uk-UA" dirty="0"/>
-              <a:t>Була ретельно досліджена та програмно реалізована модель зоряних систем. Створено інтерфейс для взаємодії з симуляцією, з можливістю завантаження, генерації. Зовсім скоро буде реалізовано редагування власної зоряної системи, можливість керування власним космічним телескопом та гри у режимі </a:t>
+              <a:t>була ретельно досліджена та програмно реалізована модель зоряних систем. Створено інтерфейс для взаємодії з симуляцією, з можливістю завантаження, генерації й редагування власної зоряної системи, керування власним космічним телескопом та гри у режимі </a:t>
             </a:r>
             <a:r>
               <a:rPr lang="uk-UA" dirty="0" err="1"/>
@@ -4138,8 +4154,8 @@
         </p:nvSpPr>
         <p:spPr>
           <a:xfrm>
-            <a:off x="838200" y="365125"/>
-            <a:ext cx="10515600" cy="6109417"/>
+            <a:off x="162232" y="365125"/>
+            <a:ext cx="11887200" cy="6109417"/>
           </a:xfrm>
         </p:spPr>
         <p:txBody>
@@ -4296,6 +4312,17 @@
             </a:r>
             <a:endParaRPr lang="uk-UA" sz="3200" dirty="0"/>
           </a:p>
+          <a:p>
+            <a:r>
+              <a:rPr lang="uk-UA" sz="3200" dirty="0"/>
+              <a:t>і ліцензований під </a:t>
+            </a:r>
+            <a:r>
+              <a:rPr lang="en-US" sz="3200" dirty="0"/>
+              <a:t>GNU AGPLv3</a:t>
+            </a:r>
+            <a:endParaRPr lang="uk-UA" sz="3200" dirty="0"/>
+          </a:p>
         </p:txBody>
       </p:sp>
     </p:spTree>
@@ -4367,8 +4394,8 @@
         </p:nvSpPr>
         <p:spPr>
           <a:xfrm>
-            <a:off x="838200" y="365125"/>
-            <a:ext cx="10515600" cy="6109417"/>
+            <a:off x="162232" y="365125"/>
+            <a:ext cx="11887200" cy="6109417"/>
           </a:xfrm>
         </p:spPr>
         <p:txBody>
@@ -4395,36 +4422,56 @@
               <a:t> </a:t>
             </a:r>
             <a:r>
-              <a:rPr lang="ru-RU" dirty="0" err="1"/>
+              <a:rPr lang="ru-RU" b="1" dirty="0" err="1"/>
               <a:t>створенню</a:t>
             </a:r>
             <a:r>
+              <a:rPr lang="ru-RU" b="1" dirty="0"/>
+              <a:t> </a:t>
+            </a:r>
+            <a:r>
+              <a:rPr lang="ru-RU" b="1" dirty="0" err="1"/>
+              <a:t>мультимедійного</a:t>
+            </a:r>
+            <a:r>
+              <a:rPr lang="ru-RU" b="1" dirty="0"/>
+              <a:t> </a:t>
+            </a:r>
+            <a:r>
+              <a:rPr lang="ru-RU" b="1" dirty="0" err="1"/>
+              <a:t>кросплатформного</a:t>
+            </a:r>
+            <a:r>
+              <a:rPr lang="ru-RU" b="1" dirty="0"/>
+              <a:t> прикладного </a:t>
+            </a:r>
+            <a:r>
+              <a:rPr lang="ru-RU" b="1" dirty="0" err="1"/>
+              <a:t>додатку</a:t>
+            </a:r>
+            <a:r>
+              <a:rPr lang="ru-RU" b="1" dirty="0"/>
+              <a:t> для </a:t>
+            </a:r>
+            <a:r>
+              <a:rPr lang="ru-RU" b="1" dirty="0" err="1"/>
+              <a:t>моделювання</a:t>
+            </a:r>
+            <a:r>
+              <a:rPr lang="ru-RU" b="1" dirty="0"/>
+              <a:t> </a:t>
+            </a:r>
+            <a:r>
+              <a:rPr lang="ru-RU" b="1" dirty="0" err="1"/>
+              <a:t>зоряних</a:t>
+            </a:r>
+            <a:r>
+              <a:rPr lang="ru-RU" b="1" dirty="0"/>
+              <a:t> систем </a:t>
+            </a:r>
+            <a:r>
               <a:rPr lang="ru-RU" dirty="0"/>
-              <a:t> </a:t>
-            </a:r>
-            <a:r>
-              <a:rPr lang="ru-RU" dirty="0" err="1"/>
-              <a:t>мультимедійного</a:t>
-            </a:r>
-            <a:r>
-              <a:rPr lang="ru-RU" dirty="0"/>
-              <a:t> </a:t>
-            </a:r>
-            <a:r>
-              <a:rPr lang="ru-RU" dirty="0" err="1"/>
-              <a:t>кросплатформного</a:t>
-            </a:r>
-            <a:r>
-              <a:rPr lang="ru-RU" dirty="0"/>
-              <a:t> </a:t>
-            </a:r>
-            <a:r>
-              <a:rPr lang="ru-RU" dirty="0" err="1"/>
-              <a:t>додатку</a:t>
-            </a:r>
-            <a:r>
-              <a:rPr lang="ru-RU" dirty="0"/>
-              <a:t> для </a:t>
+              <a:t>та </a:t>
             </a:r>
             <a:r>
               <a:rPr lang="ru-RU" dirty="0" err="1"/>
@@ -4626,8 +4673,8 @@
         </p:nvSpPr>
         <p:spPr>
           <a:xfrm>
-            <a:off x="838200" y="365125"/>
-            <a:ext cx="10515600" cy="6109417"/>
+            <a:off x="162232" y="365125"/>
+            <a:ext cx="11887200" cy="6109417"/>
           </a:xfrm>
         </p:spPr>
         <p:txBody>
@@ -4647,11 +4694,11 @@
             </a:r>
             <a:r>
               <a:rPr lang="uk-UA" b="1" dirty="0"/>
-              <a:t>–</a:t>
+              <a:t>– </a:t>
             </a:r>
             <a:r>
               <a:rPr lang="uk-UA" dirty="0"/>
-              <a:t> зоряні системи та їх компоненти: зорі, планети, супутники й інші космічні тіла.</a:t>
+              <a:t>технології й методи створення ПЗ для фізичного моделювання.</a:t>
             </a:r>
             <a:br>
               <a:rPr lang="uk-UA" dirty="0"/>
@@ -4670,7 +4717,7 @@
             </a:r>
             <a:r>
               <a:rPr lang="uk-UA" dirty="0"/>
-              <a:t> фізичні та математичні взаємозв’язки між складовими зоряних систем.</a:t>
+              <a:t> створення прикладного ПЗ для моделювання зоряних систем.</a:t>
             </a:r>
             <a:br>
               <a:rPr lang="uk-UA" dirty="0"/>
@@ -4769,8 +4816,8 @@
         </p:nvSpPr>
         <p:spPr>
           <a:xfrm>
-            <a:off x="838200" y="365125"/>
-            <a:ext cx="10515600" cy="6109417"/>
+            <a:off x="162232" y="365125"/>
+            <a:ext cx="11887200" cy="6109417"/>
           </a:xfrm>
         </p:spPr>
         <p:txBody>
@@ -4790,7 +4837,7 @@
             </a:r>
             <a:r>
               <a:rPr lang="uk-UA" dirty="0"/>
-              <a:t> архітектури ПЗ я використав мову і середовище програмування </a:t>
+              <a:t> архітектури ПЗ я використав мову й середовище програмування </a:t>
             </a:r>
             <a:r>
               <a:rPr lang="uk-UA" dirty="0" err="1"/>
@@ -4879,8 +4926,8 @@
         </p:nvSpPr>
         <p:spPr>
           <a:xfrm>
-            <a:off x="838200" y="365125"/>
-            <a:ext cx="10515600" cy="6109417"/>
+            <a:off x="162232" y="365125"/>
+            <a:ext cx="11887200" cy="6109417"/>
           </a:xfrm>
         </p:spPr>
         <p:txBody>
@@ -4892,7 +4939,7 @@
             <a:pPr indent="442913"/>
             <a:r>
               <a:rPr lang="uk-UA" dirty="0"/>
-              <a:t>Для кінцевої реалізації архітектури ПЗ буде використана мова програмування </a:t>
+              <a:t>Для кінцевої реалізації архітектури ПЗ використана мова програмування </a:t>
             </a:r>
             <a:r>
               <a:rPr lang="en-US" dirty="0"/>
@@ -4908,7 +4955,7 @@
             </a:r>
             <a:r>
               <a:rPr lang="uk-UA" dirty="0"/>
-              <a:t>. Такий варіант використовуватиме в рази менше </a:t>
+              <a:t>. Такий варіант використовує в рази менше </a:t>
             </a:r>
             <a:r>
               <a:rPr lang="uk-UA" dirty="0" err="1"/>
@@ -4920,7 +4967,7 @@
             </a:r>
             <a:r>
               <a:rPr lang="uk-UA" dirty="0"/>
-              <a:t>яті, матиме в рази більшу швидкодію, а також графічні покращення.</a:t>
+              <a:t>яті, має в рази більшу швидкодію, а також графічні покращення.</a:t>
             </a:r>
           </a:p>
         </p:txBody>
@@ -4985,8 +5032,8 @@
         </p:nvSpPr>
         <p:spPr>
           <a:xfrm>
-            <a:off x="838200" y="365125"/>
-            <a:ext cx="10515600" cy="6109417"/>
+            <a:off x="162232" y="365125"/>
+            <a:ext cx="11887200" cy="6109417"/>
           </a:xfrm>
         </p:spPr>
         <p:txBody>
@@ -5131,8 +5178,8 @@
         </p:nvSpPr>
         <p:spPr>
           <a:xfrm>
-            <a:off x="838200" y="365125"/>
-            <a:ext cx="10515600" cy="6109417"/>
+            <a:off x="162232" y="365125"/>
+            <a:ext cx="11887200" cy="6109417"/>
           </a:xfrm>
         </p:spPr>
         <p:txBody>
@@ -5404,8 +5451,8 @@
         </p:nvSpPr>
         <p:spPr>
           <a:xfrm>
-            <a:off x="838200" y="365125"/>
-            <a:ext cx="10515600" cy="6109417"/>
+            <a:off x="162232" y="365125"/>
+            <a:ext cx="11887200" cy="6109417"/>
           </a:xfrm>
         </p:spPr>
         <p:txBody>
@@ -5417,7 +5464,7 @@
             <a:pPr indent="442913"/>
             <a:r>
               <a:rPr lang="uk-UA" dirty="0"/>
-              <a:t>Початкові дані про світ зберігаються у відповідному </a:t>
+              <a:t>Початкові дані про світи зберігаються у відповідних </a:t>
             </a:r>
             <a:r>
               <a:rPr lang="en-US" dirty="0"/>
@@ -5425,7 +5472,7 @@
             </a:r>
             <a:r>
               <a:rPr lang="uk-UA" dirty="0"/>
-              <a:t>-файлі ієрархічно. Тобто між тегами одного небесного тіла розташовується інформація про його супутники.</a:t>
+              <a:t>-файлах ієрархічно. Тобто між тегами одного небесного тіла розташовується інформація про його супутники.</a:t>
             </a:r>
           </a:p>
         </p:txBody>

--- a/МАНУ2020.pptx
+++ b/МАНУ2020.pptx
@@ -20,9 +20,10 @@
     <p:sldId id="272" r:id="rId14"/>
     <p:sldId id="273" r:id="rId15"/>
     <p:sldId id="274" r:id="rId16"/>
-    <p:sldId id="268" r:id="rId17"/>
-    <p:sldId id="269" r:id="rId18"/>
-    <p:sldId id="258" r:id="rId19"/>
+    <p:sldId id="275" r:id="rId17"/>
+    <p:sldId id="268" r:id="rId18"/>
+    <p:sldId id="269" r:id="rId19"/>
+    <p:sldId id="258" r:id="rId20"/>
   </p:sldIdLst>
   <p:sldSz cx="12192000" cy="6858000"/>
   <p:notesSz cx="6858000" cy="9144000"/>
@@ -278,7 +279,7 @@
           <a:p>
             <a:fld id="{F3B1270B-825F-4A6F-BFBD-8E5D97593686}" type="datetimeFigureOut">
               <a:rPr lang="uk-UA" smtClean="0"/>
-              <a:t>23.02.2020</a:t>
+              <a:t>27.02.2020</a:t>
             </a:fld>
             <a:endParaRPr lang="uk-UA"/>
           </a:p>
@@ -478,7 +479,7 @@
           <a:p>
             <a:fld id="{F3B1270B-825F-4A6F-BFBD-8E5D97593686}" type="datetimeFigureOut">
               <a:rPr lang="uk-UA" smtClean="0"/>
-              <a:t>23.02.2020</a:t>
+              <a:t>27.02.2020</a:t>
             </a:fld>
             <a:endParaRPr lang="uk-UA"/>
           </a:p>
@@ -688,7 +689,7 @@
           <a:p>
             <a:fld id="{F3B1270B-825F-4A6F-BFBD-8E5D97593686}" type="datetimeFigureOut">
               <a:rPr lang="uk-UA" smtClean="0"/>
-              <a:t>23.02.2020</a:t>
+              <a:t>27.02.2020</a:t>
             </a:fld>
             <a:endParaRPr lang="uk-UA"/>
           </a:p>
@@ -888,7 +889,7 @@
           <a:p>
             <a:fld id="{F3B1270B-825F-4A6F-BFBD-8E5D97593686}" type="datetimeFigureOut">
               <a:rPr lang="uk-UA" smtClean="0"/>
-              <a:t>23.02.2020</a:t>
+              <a:t>27.02.2020</a:t>
             </a:fld>
             <a:endParaRPr lang="uk-UA"/>
           </a:p>
@@ -1164,7 +1165,7 @@
           <a:p>
             <a:fld id="{F3B1270B-825F-4A6F-BFBD-8E5D97593686}" type="datetimeFigureOut">
               <a:rPr lang="uk-UA" smtClean="0"/>
-              <a:t>23.02.2020</a:t>
+              <a:t>27.02.2020</a:t>
             </a:fld>
             <a:endParaRPr lang="uk-UA"/>
           </a:p>
@@ -1432,7 +1433,7 @@
           <a:p>
             <a:fld id="{F3B1270B-825F-4A6F-BFBD-8E5D97593686}" type="datetimeFigureOut">
               <a:rPr lang="uk-UA" smtClean="0"/>
-              <a:t>23.02.2020</a:t>
+              <a:t>27.02.2020</a:t>
             </a:fld>
             <a:endParaRPr lang="uk-UA"/>
           </a:p>
@@ -1847,7 +1848,7 @@
           <a:p>
             <a:fld id="{F3B1270B-825F-4A6F-BFBD-8E5D97593686}" type="datetimeFigureOut">
               <a:rPr lang="uk-UA" smtClean="0"/>
-              <a:t>23.02.2020</a:t>
+              <a:t>27.02.2020</a:t>
             </a:fld>
             <a:endParaRPr lang="uk-UA"/>
           </a:p>
@@ -1989,7 +1990,7 @@
           <a:p>
             <a:fld id="{F3B1270B-825F-4A6F-BFBD-8E5D97593686}" type="datetimeFigureOut">
               <a:rPr lang="uk-UA" smtClean="0"/>
-              <a:t>23.02.2020</a:t>
+              <a:t>27.02.2020</a:t>
             </a:fld>
             <a:endParaRPr lang="uk-UA"/>
           </a:p>
@@ -2102,7 +2103,7 @@
           <a:p>
             <a:fld id="{F3B1270B-825F-4A6F-BFBD-8E5D97593686}" type="datetimeFigureOut">
               <a:rPr lang="uk-UA" smtClean="0"/>
-              <a:t>23.02.2020</a:t>
+              <a:t>27.02.2020</a:t>
             </a:fld>
             <a:endParaRPr lang="uk-UA"/>
           </a:p>
@@ -2415,7 +2416,7 @@
           <a:p>
             <a:fld id="{F3B1270B-825F-4A6F-BFBD-8E5D97593686}" type="datetimeFigureOut">
               <a:rPr lang="uk-UA" smtClean="0"/>
-              <a:t>23.02.2020</a:t>
+              <a:t>27.02.2020</a:t>
             </a:fld>
             <a:endParaRPr lang="uk-UA"/>
           </a:p>
@@ -2704,7 +2705,7 @@
           <a:p>
             <a:fld id="{F3B1270B-825F-4A6F-BFBD-8E5D97593686}" type="datetimeFigureOut">
               <a:rPr lang="uk-UA" smtClean="0"/>
-              <a:t>23.02.2020</a:t>
+              <a:t>27.02.2020</a:t>
             </a:fld>
             <a:endParaRPr lang="uk-UA"/>
           </a:p>
@@ -2947,7 +2948,7 @@
           <a:p>
             <a:fld id="{F3B1270B-825F-4A6F-BFBD-8E5D97593686}" type="datetimeFigureOut">
               <a:rPr lang="uk-UA" smtClean="0"/>
-              <a:t>23.02.2020</a:t>
+              <a:t>27.02.2020</a:t>
             </a:fld>
             <a:endParaRPr lang="uk-UA"/>
           </a:p>
@@ -3409,7 +3410,7 @@
           </a:xfrm>
         </p:spPr>
         <p:txBody>
-          <a:bodyPr>
+          <a:bodyPr anchor="ctr">
             <a:noAutofit/>
           </a:bodyPr>
           <a:lstStyle/>
@@ -3418,19 +3419,7 @@
               <a:rPr lang="uk-UA" sz="7200" b="1" dirty="0">
                 <a:latin typeface="+mn-lt"/>
               </a:rPr>
-              <a:t>ПРОЄКТУВАННЯ МУЛЬТИМЕДІЙНОГО ДОДАТКА</a:t>
-            </a:r>
-            <a:r>
-              <a:rPr lang="en-US" sz="7200" b="1" dirty="0">
-                <a:latin typeface="+mn-lt"/>
-              </a:rPr>
-              <a:t> </a:t>
-            </a:r>
-            <a:r>
-              <a:rPr lang="uk-UA" sz="7200" b="1" dirty="0">
-                <a:latin typeface="+mn-lt"/>
-              </a:rPr>
-              <a:t>ДЛЯ СИМУЛЯЦІЇ ЗОРЯНИХ СИСТЕМ</a:t>
+              <a:t>МУЛЬТИМЕДІЙНИЙ ДОДАТОК ДЛЯ ЕМУЛЮВАННЯ ЗОРЯНИХ СИСТЕМ</a:t>
             </a:r>
             <a:endParaRPr lang="uk-UA" sz="7200" dirty="0">
               <a:latin typeface="+mn-lt"/>
@@ -3461,7 +3450,7 @@
           </a:xfrm>
         </p:spPr>
         <p:txBody>
-          <a:bodyPr anchor="b"/>
+          <a:bodyPr anchor="ctr"/>
           <a:lstStyle/>
           <a:p>
             <a:r>
@@ -3700,7 +3689,7 @@
           </a:bodyPr>
           <a:lstStyle/>
           <a:p>
-            <a:pPr indent="450850"/>
+            <a:pPr indent="450850" algn="just"/>
             <a:r>
               <a:rPr lang="uk-UA" dirty="0"/>
               <a:t>Після запуску гра зустрічає Вас у головному меню з анімованим фоном. Ви можете перейти до екрана вибору світу</a:t>
@@ -4074,22 +4063,18 @@
           </a:bodyPr>
           <a:lstStyle/>
           <a:p>
-            <a:pPr indent="450850"/>
-            <a:r>
-              <a:rPr lang="uk-UA" b="1" dirty="0"/>
-              <a:t>Висновки: </a:t>
-            </a:r>
+            <a:pPr indent="450850" algn="just"/>
             <a:r>
               <a:rPr lang="uk-UA" dirty="0"/>
-              <a:t>була ретельно досліджена та програмно реалізована модель зоряних систем. Створено інтерфейс для взаємодії з симуляцією, з можливістю завантаження, генерації й редагування власної зоряної системи, керування власним космічним телескопом та гри у режимі </a:t>
-            </a:r>
-            <a:r>
-              <a:rPr lang="uk-UA" dirty="0" err="1"/>
-              <a:t>мультиплеєру</a:t>
+              <a:t>Слід наголосити, що додаток саме </a:t>
+            </a:r>
+            <a:r>
+              <a:rPr lang="uk-UA" b="1" dirty="0" err="1"/>
+              <a:t>емулює</a:t>
             </a:r>
             <a:r>
               <a:rPr lang="uk-UA" dirty="0"/>
-              <a:t>.</a:t>
+              <a:t> взаємодію компонентів зоряних систем. Тобто всі розрахунки між будь-якими космічними тілами відбуваються у кожен такт виконання за законами всесвітнього тяжіння та Ньютона.</a:t>
             </a:r>
           </a:p>
         </p:txBody>
@@ -4097,7 +4082,7 @@
     </p:spTree>
     <p:extLst>
       <p:ext uri="{BB962C8B-B14F-4D97-AF65-F5344CB8AC3E}">
-        <p14:creationId xmlns:p14="http://schemas.microsoft.com/office/powerpoint/2010/main" val="343106355"/>
+        <p14:creationId xmlns:p14="http://schemas.microsoft.com/office/powerpoint/2010/main" val="3143220650"/>
       </p:ext>
     </p:extLst>
   </p:cSld>
@@ -4164,7 +4149,97 @@
           </a:bodyPr>
           <a:lstStyle/>
           <a:p>
-            <a:pPr indent="450850"/>
+            <a:pPr indent="450850" algn="just"/>
+            <a:r>
+              <a:rPr lang="uk-UA" b="1" dirty="0"/>
+              <a:t>Висновки: </a:t>
+            </a:r>
+            <a:r>
+              <a:rPr lang="uk-UA" dirty="0"/>
+              <a:t>була ретельно досліджена та програмно реалізована модель зоряних систем. Створено інтерфейс для взаємодії з симуляцією, з можливістю завантаження, генерації й редагування власної зоряної системи, керування власним космічним телескопом та гри у режимі </a:t>
+            </a:r>
+            <a:r>
+              <a:rPr lang="uk-UA" dirty="0" err="1"/>
+              <a:t>мультиплеєру</a:t>
+            </a:r>
+            <a:r>
+              <a:rPr lang="uk-UA" dirty="0"/>
+              <a:t>.</a:t>
+            </a:r>
+          </a:p>
+        </p:txBody>
+      </p:sp>
+    </p:spTree>
+    <p:extLst>
+      <p:ext uri="{BB962C8B-B14F-4D97-AF65-F5344CB8AC3E}">
+        <p14:creationId xmlns:p14="http://schemas.microsoft.com/office/powerpoint/2010/main" val="343106355"/>
+      </p:ext>
+    </p:extLst>
+  </p:cSld>
+  <p:clrMapOvr>
+    <a:masterClrMapping/>
+  </p:clrMapOvr>
+  <p:transition spd="med">
+    <p:pull/>
+  </p:transition>
+</p:sld>
+</file>
+
+<file path=ppt/slides/slide18.xml><?xml version="1.0" encoding="utf-8"?>
+<p:sld xmlns:a="http://schemas.openxmlformats.org/drawingml/2006/main" xmlns:r="http://schemas.openxmlformats.org/officeDocument/2006/relationships" xmlns:p="http://schemas.openxmlformats.org/presentationml/2006/main">
+  <p:cSld>
+    <p:bg>
+      <p:bgPr>
+        <a:blipFill>
+          <a:blip r:embed="rId2"/>
+          <a:tile tx="0" ty="0" sx="100000" sy="100000" flip="none" algn="tl"/>
+        </a:blipFill>
+        <a:effectLst/>
+      </p:bgPr>
+    </p:bg>
+    <p:spTree>
+      <p:nvGrpSpPr>
+        <p:cNvPr id="1" name=""/>
+        <p:cNvGrpSpPr/>
+        <p:nvPr/>
+      </p:nvGrpSpPr>
+      <p:grpSpPr>
+        <a:xfrm>
+          <a:off x="0" y="0"/>
+          <a:ext cx="0" cy="0"/>
+          <a:chOff x="0" y="0"/>
+          <a:chExt cx="0" cy="0"/>
+        </a:xfrm>
+      </p:grpSpPr>
+      <p:sp>
+        <p:nvSpPr>
+          <p:cNvPr id="2" name="Заголовок 1">
+            <a:extLst>
+              <a:ext uri="{FF2B5EF4-FFF2-40B4-BE49-F238E27FC236}">
+                <a16:creationId xmlns:a16="http://schemas.microsoft.com/office/drawing/2014/main" id="{85E5F9C9-9A4C-4C11-8946-0156FFEFD54C}"/>
+              </a:ext>
+            </a:extLst>
+          </p:cNvPr>
+          <p:cNvSpPr>
+            <a:spLocks noGrp="1"/>
+          </p:cNvSpPr>
+          <p:nvPr>
+            <p:ph type="title"/>
+          </p:nvPr>
+        </p:nvSpPr>
+        <p:spPr>
+          <a:xfrm>
+            <a:off x="162232" y="365125"/>
+            <a:ext cx="11887200" cy="6109417"/>
+          </a:xfrm>
+        </p:spPr>
+        <p:txBody>
+          <a:bodyPr>
+            <a:noAutofit/>
+          </a:bodyPr>
+          <a:lstStyle/>
+          <a:p>
+            <a:pPr indent="450850" algn="just"/>
             <a:r>
               <a:rPr lang="uk-UA" dirty="0"/>
               <a:t>Використовуючи розроблену програму люди навчаються, експериментують, набувають знань у сфері астрономії й фізики. Крім того, ПЗ можна використовувати для науково точної симуляції зоряних систем.</a:t>
@@ -4188,7 +4263,7 @@
 </p:sld>
 </file>
 
-<file path=ppt/slides/slide18.xml><?xml version="1.0" encoding="utf-8"?>
+<file path=ppt/slides/slide19.xml><?xml version="1.0" encoding="utf-8"?>
 <p:sld xmlns:a="http://schemas.openxmlformats.org/drawingml/2006/main" xmlns:r="http://schemas.openxmlformats.org/officeDocument/2006/relationships" xmlns:p="http://schemas.openxmlformats.org/presentationml/2006/main">
   <p:cSld>
     <p:bg>
@@ -4404,7 +4479,7 @@
           </a:bodyPr>
           <a:lstStyle/>
           <a:p>
-            <a:pPr indent="442913"/>
+            <a:pPr indent="442913" algn="just"/>
             <a:r>
               <a:rPr lang="ru-RU" dirty="0" err="1"/>
               <a:t>Науково-дослідна</a:t>
@@ -4455,7 +4530,7 @@
             </a:r>
             <a:r>
               <a:rPr lang="ru-RU" b="1" dirty="0" err="1"/>
-              <a:t>моделювання</a:t>
+              <a:t>емулювання</a:t>
             </a:r>
             <a:r>
               <a:rPr lang="ru-RU" b="1" dirty="0"/>
@@ -4683,7 +4758,7 @@
           </a:bodyPr>
           <a:lstStyle/>
           <a:p>
-            <a:pPr indent="442913"/>
+            <a:pPr indent="442913" algn="just"/>
             <a:r>
               <a:rPr lang="uk-UA" b="1" dirty="0"/>
               <a:t>Об’єкт дослідження</a:t>
@@ -4826,7 +4901,7 @@
           </a:bodyPr>
           <a:lstStyle/>
           <a:p>
-            <a:pPr indent="442913"/>
+            <a:pPr indent="442913" algn="just"/>
             <a:r>
               <a:rPr lang="uk-UA" dirty="0"/>
               <a:t>Для </a:t>
@@ -4936,7 +5011,7 @@
           </a:bodyPr>
           <a:lstStyle/>
           <a:p>
-            <a:pPr indent="442913"/>
+            <a:pPr indent="442913" algn="just"/>
             <a:r>
               <a:rPr lang="uk-UA" dirty="0"/>
               <a:t>Для кінцевої реалізації архітектури ПЗ використана мова програмування </a:t>
@@ -5042,7 +5117,7 @@
           </a:bodyPr>
           <a:lstStyle/>
           <a:p>
-            <a:pPr indent="442913"/>
+            <a:pPr indent="442913" algn="just"/>
             <a:r>
               <a:rPr lang="uk-UA" dirty="0"/>
               <a:t>Архітектура ПЗ складається з таких класів: </a:t>
@@ -5058,6 +5133,22 @@
             <a:r>
               <a:rPr lang="en-US" b="1" dirty="0"/>
               <a:t>Button</a:t>
+            </a:r>
+            <a:r>
+              <a:rPr lang="en-US" dirty="0"/>
+              <a:t> (in </a:t>
+            </a:r>
+            <a:r>
+              <a:rPr lang="en-US" b="1" dirty="0"/>
+              <a:t>Interface</a:t>
+            </a:r>
+            <a:r>
+              <a:rPr lang="en-US" dirty="0"/>
+              <a:t>), </a:t>
+            </a:r>
+            <a:r>
+              <a:rPr lang="en-US" b="1" dirty="0" err="1"/>
+              <a:t>InputField</a:t>
             </a:r>
             <a:r>
               <a:rPr lang="en-US" dirty="0"/>
@@ -5188,7 +5279,7 @@
           </a:bodyPr>
           <a:lstStyle/>
           <a:p>
-            <a:pPr indent="442913"/>
+            <a:pPr indent="442913" algn="just"/>
             <a:r>
               <a:rPr lang="uk-UA" dirty="0"/>
               <a:t>Клас </a:t>
@@ -5267,7 +5358,19 @@
             </a:r>
             <a:r>
               <a:rPr lang="uk-UA" dirty="0"/>
-              <a:t> реалізує кнопку.</a:t>
+              <a:t> реалізує кнопку, а </a:t>
+            </a:r>
+            <a:r>
+              <a:rPr lang="en-US" b="1" dirty="0" err="1"/>
+              <a:t>InputField</a:t>
+            </a:r>
+            <a:r>
+              <a:rPr lang="en-US" dirty="0"/>
+              <a:t> – </a:t>
+            </a:r>
+            <a:r>
+              <a:rPr lang="uk-UA" dirty="0"/>
+              <a:t>поле введення.</a:t>
             </a:r>
             <a:r>
               <a:rPr lang="en-US" dirty="0"/>
@@ -5363,10 +5466,10 @@
       </p:grpSpPr>
       <p:pic>
         <p:nvPicPr>
-          <p:cNvPr id="4" name="Рисунок 3">
-            <a:extLst>
-              <a:ext uri="{FF2B5EF4-FFF2-40B4-BE49-F238E27FC236}">
-                <a16:creationId xmlns:a16="http://schemas.microsoft.com/office/drawing/2014/main" id="{C6F3DCD4-817A-4C5F-AC22-D2C713F9C799}"/>
+          <p:cNvPr id="3" name="Рисунок 2">
+            <a:extLst>
+              <a:ext uri="{FF2B5EF4-FFF2-40B4-BE49-F238E27FC236}">
+                <a16:creationId xmlns:a16="http://schemas.microsoft.com/office/drawing/2014/main" id="{B06492D9-5265-4EF2-A2DE-1C74430E3B01}"/>
               </a:ext>
             </a:extLst>
           </p:cNvPr>
@@ -5383,8 +5486,8 @@
         </p:blipFill>
         <p:spPr>
           <a:xfrm>
-            <a:off x="1319501" y="0"/>
-            <a:ext cx="9552997" cy="6858000"/>
+            <a:off x="1315182" y="0"/>
+            <a:ext cx="9561635" cy="6858000"/>
           </a:xfrm>
           <a:prstGeom prst="rect">
             <a:avLst/>
@@ -5461,7 +5564,7 @@
           </a:bodyPr>
           <a:lstStyle/>
           <a:p>
-            <a:pPr indent="442913"/>
+            <a:pPr indent="442913" algn="just"/>
             <a:r>
               <a:rPr lang="uk-UA" dirty="0"/>
               <a:t>Початкові дані про світи зберігаються у відповідних </a:t>

--- a/МАНУ2020.pptx
+++ b/МАНУ2020.pptx
@@ -279,7 +279,7 @@
           <a:p>
             <a:fld id="{F3B1270B-825F-4A6F-BFBD-8E5D97593686}" type="datetimeFigureOut">
               <a:rPr lang="uk-UA" smtClean="0"/>
-              <a:t>27.02.2020</a:t>
+              <a:t>29.02.2020</a:t>
             </a:fld>
             <a:endParaRPr lang="uk-UA"/>
           </a:p>
@@ -479,7 +479,7 @@
           <a:p>
             <a:fld id="{F3B1270B-825F-4A6F-BFBD-8E5D97593686}" type="datetimeFigureOut">
               <a:rPr lang="uk-UA" smtClean="0"/>
-              <a:t>27.02.2020</a:t>
+              <a:t>29.02.2020</a:t>
             </a:fld>
             <a:endParaRPr lang="uk-UA"/>
           </a:p>
@@ -689,7 +689,7 @@
           <a:p>
             <a:fld id="{F3B1270B-825F-4A6F-BFBD-8E5D97593686}" type="datetimeFigureOut">
               <a:rPr lang="uk-UA" smtClean="0"/>
-              <a:t>27.02.2020</a:t>
+              <a:t>29.02.2020</a:t>
             </a:fld>
             <a:endParaRPr lang="uk-UA"/>
           </a:p>
@@ -889,7 +889,7 @@
           <a:p>
             <a:fld id="{F3B1270B-825F-4A6F-BFBD-8E5D97593686}" type="datetimeFigureOut">
               <a:rPr lang="uk-UA" smtClean="0"/>
-              <a:t>27.02.2020</a:t>
+              <a:t>29.02.2020</a:t>
             </a:fld>
             <a:endParaRPr lang="uk-UA"/>
           </a:p>
@@ -1165,7 +1165,7 @@
           <a:p>
             <a:fld id="{F3B1270B-825F-4A6F-BFBD-8E5D97593686}" type="datetimeFigureOut">
               <a:rPr lang="uk-UA" smtClean="0"/>
-              <a:t>27.02.2020</a:t>
+              <a:t>29.02.2020</a:t>
             </a:fld>
             <a:endParaRPr lang="uk-UA"/>
           </a:p>
@@ -1433,7 +1433,7 @@
           <a:p>
             <a:fld id="{F3B1270B-825F-4A6F-BFBD-8E5D97593686}" type="datetimeFigureOut">
               <a:rPr lang="uk-UA" smtClean="0"/>
-              <a:t>27.02.2020</a:t>
+              <a:t>29.02.2020</a:t>
             </a:fld>
             <a:endParaRPr lang="uk-UA"/>
           </a:p>
@@ -1848,7 +1848,7 @@
           <a:p>
             <a:fld id="{F3B1270B-825F-4A6F-BFBD-8E5D97593686}" type="datetimeFigureOut">
               <a:rPr lang="uk-UA" smtClean="0"/>
-              <a:t>27.02.2020</a:t>
+              <a:t>29.02.2020</a:t>
             </a:fld>
             <a:endParaRPr lang="uk-UA"/>
           </a:p>
@@ -1990,7 +1990,7 @@
           <a:p>
             <a:fld id="{F3B1270B-825F-4A6F-BFBD-8E5D97593686}" type="datetimeFigureOut">
               <a:rPr lang="uk-UA" smtClean="0"/>
-              <a:t>27.02.2020</a:t>
+              <a:t>29.02.2020</a:t>
             </a:fld>
             <a:endParaRPr lang="uk-UA"/>
           </a:p>
@@ -2103,7 +2103,7 @@
           <a:p>
             <a:fld id="{F3B1270B-825F-4A6F-BFBD-8E5D97593686}" type="datetimeFigureOut">
               <a:rPr lang="uk-UA" smtClean="0"/>
-              <a:t>27.02.2020</a:t>
+              <a:t>29.02.2020</a:t>
             </a:fld>
             <a:endParaRPr lang="uk-UA"/>
           </a:p>
@@ -2416,7 +2416,7 @@
           <a:p>
             <a:fld id="{F3B1270B-825F-4A6F-BFBD-8E5D97593686}" type="datetimeFigureOut">
               <a:rPr lang="uk-UA" smtClean="0"/>
-              <a:t>27.02.2020</a:t>
+              <a:t>29.02.2020</a:t>
             </a:fld>
             <a:endParaRPr lang="uk-UA"/>
           </a:p>
@@ -2705,7 +2705,7 @@
           <a:p>
             <a:fld id="{F3B1270B-825F-4A6F-BFBD-8E5D97593686}" type="datetimeFigureOut">
               <a:rPr lang="uk-UA" smtClean="0"/>
-              <a:t>27.02.2020</a:t>
+              <a:t>29.02.2020</a:t>
             </a:fld>
             <a:endParaRPr lang="uk-UA"/>
           </a:p>
@@ -2948,7 +2948,7 @@
           <a:p>
             <a:fld id="{F3B1270B-825F-4A6F-BFBD-8E5D97593686}" type="datetimeFigureOut">
               <a:rPr lang="uk-UA" smtClean="0"/>
-              <a:t>27.02.2020</a:t>
+              <a:t>29.02.2020</a:t>
             </a:fld>
             <a:endParaRPr lang="uk-UA"/>
           </a:p>
@@ -5147,22 +5147,6 @@
               <a:t>), </a:t>
             </a:r>
             <a:r>
-              <a:rPr lang="en-US" b="1" dirty="0" err="1"/>
-              <a:t>InputField</a:t>
-            </a:r>
-            <a:r>
-              <a:rPr lang="en-US" dirty="0"/>
-              <a:t> (in </a:t>
-            </a:r>
-            <a:r>
-              <a:rPr lang="en-US" b="1" dirty="0"/>
-              <a:t>Interface</a:t>
-            </a:r>
-            <a:r>
-              <a:rPr lang="en-US" dirty="0"/>
-              <a:t>), </a:t>
-            </a:r>
-            <a:r>
               <a:rPr lang="en-US" b="1" dirty="0"/>
               <a:t>Space</a:t>
             </a:r>
@@ -5358,19 +5342,15 @@
             </a:r>
             <a:r>
               <a:rPr lang="uk-UA" dirty="0"/>
-              <a:t> реалізує кнопку, а </a:t>
-            </a:r>
-            <a:r>
-              <a:rPr lang="en-US" b="1" dirty="0" err="1"/>
-              <a:t>InputField</a:t>
+              <a:t> реалізує кнопку</a:t>
             </a:r>
             <a:r>
               <a:rPr lang="en-US" dirty="0"/>
-              <a:t> – </a:t>
+              <a:t> </a:t>
             </a:r>
             <a:r>
               <a:rPr lang="uk-UA" dirty="0"/>
-              <a:t>поле введення.</a:t>
+              <a:t>та поле введення.</a:t>
             </a:r>
             <a:r>
               <a:rPr lang="en-US" dirty="0"/>
